--- a/20190916 [강태영] A3 포스터.pptx
+++ b/20190916 [강태영] A3 포스터.pptx
@@ -277,7 +277,7 @@
           <a:p>
             <a:fld id="{7837A63F-323B-4CAB-BE3D-DF07FFDC3EE6}" type="datetimeFigureOut">
               <a:rPr lang="ko-KR" altLang="en-US" smtClean="0"/>
-              <a:t>2019-09-16</a:t>
+              <a:t>2019-09-24</a:t>
             </a:fld>
             <a:endParaRPr lang="ko-KR" altLang="en-US"/>
           </a:p>
@@ -447,7 +447,7 @@
           <a:p>
             <a:fld id="{7837A63F-323B-4CAB-BE3D-DF07FFDC3EE6}" type="datetimeFigureOut">
               <a:rPr lang="ko-KR" altLang="en-US" smtClean="0"/>
-              <a:t>2019-09-16</a:t>
+              <a:t>2019-09-24</a:t>
             </a:fld>
             <a:endParaRPr lang="ko-KR" altLang="en-US"/>
           </a:p>
@@ -627,7 +627,7 @@
           <a:p>
             <a:fld id="{7837A63F-323B-4CAB-BE3D-DF07FFDC3EE6}" type="datetimeFigureOut">
               <a:rPr lang="ko-KR" altLang="en-US" smtClean="0"/>
-              <a:t>2019-09-16</a:t>
+              <a:t>2019-09-24</a:t>
             </a:fld>
             <a:endParaRPr lang="ko-KR" altLang="en-US"/>
           </a:p>
@@ -797,7 +797,7 @@
           <a:p>
             <a:fld id="{7837A63F-323B-4CAB-BE3D-DF07FFDC3EE6}" type="datetimeFigureOut">
               <a:rPr lang="ko-KR" altLang="en-US" smtClean="0"/>
-              <a:t>2019-09-16</a:t>
+              <a:t>2019-09-24</a:t>
             </a:fld>
             <a:endParaRPr lang="ko-KR" altLang="en-US"/>
           </a:p>
@@ -1041,7 +1041,7 @@
           <a:p>
             <a:fld id="{7837A63F-323B-4CAB-BE3D-DF07FFDC3EE6}" type="datetimeFigureOut">
               <a:rPr lang="ko-KR" altLang="en-US" smtClean="0"/>
-              <a:t>2019-09-16</a:t>
+              <a:t>2019-09-24</a:t>
             </a:fld>
             <a:endParaRPr lang="ko-KR" altLang="en-US"/>
           </a:p>
@@ -1273,7 +1273,7 @@
           <a:p>
             <a:fld id="{7837A63F-323B-4CAB-BE3D-DF07FFDC3EE6}" type="datetimeFigureOut">
               <a:rPr lang="ko-KR" altLang="en-US" smtClean="0"/>
-              <a:t>2019-09-16</a:t>
+              <a:t>2019-09-24</a:t>
             </a:fld>
             <a:endParaRPr lang="ko-KR" altLang="en-US"/>
           </a:p>
@@ -1640,7 +1640,7 @@
           <a:p>
             <a:fld id="{7837A63F-323B-4CAB-BE3D-DF07FFDC3EE6}" type="datetimeFigureOut">
               <a:rPr lang="ko-KR" altLang="en-US" smtClean="0"/>
-              <a:t>2019-09-16</a:t>
+              <a:t>2019-09-24</a:t>
             </a:fld>
             <a:endParaRPr lang="ko-KR" altLang="en-US"/>
           </a:p>
@@ -1758,7 +1758,7 @@
           <a:p>
             <a:fld id="{7837A63F-323B-4CAB-BE3D-DF07FFDC3EE6}" type="datetimeFigureOut">
               <a:rPr lang="ko-KR" altLang="en-US" smtClean="0"/>
-              <a:t>2019-09-16</a:t>
+              <a:t>2019-09-24</a:t>
             </a:fld>
             <a:endParaRPr lang="ko-KR" altLang="en-US"/>
           </a:p>
@@ -1853,7 +1853,7 @@
           <a:p>
             <a:fld id="{7837A63F-323B-4CAB-BE3D-DF07FFDC3EE6}" type="datetimeFigureOut">
               <a:rPr lang="ko-KR" altLang="en-US" smtClean="0"/>
-              <a:t>2019-09-16</a:t>
+              <a:t>2019-09-24</a:t>
             </a:fld>
             <a:endParaRPr lang="ko-KR" altLang="en-US"/>
           </a:p>
@@ -2130,7 +2130,7 @@
           <a:p>
             <a:fld id="{7837A63F-323B-4CAB-BE3D-DF07FFDC3EE6}" type="datetimeFigureOut">
               <a:rPr lang="ko-KR" altLang="en-US" smtClean="0"/>
-              <a:t>2019-09-16</a:t>
+              <a:t>2019-09-24</a:t>
             </a:fld>
             <a:endParaRPr lang="ko-KR" altLang="en-US"/>
           </a:p>
@@ -2387,7 +2387,7 @@
           <a:p>
             <a:fld id="{7837A63F-323B-4CAB-BE3D-DF07FFDC3EE6}" type="datetimeFigureOut">
               <a:rPr lang="ko-KR" altLang="en-US" smtClean="0"/>
-              <a:t>2019-09-16</a:t>
+              <a:t>2019-09-24</a:t>
             </a:fld>
             <a:endParaRPr lang="ko-KR" altLang="en-US"/>
           </a:p>
@@ -2600,7 +2600,7 @@
           <a:p>
             <a:fld id="{7837A63F-323B-4CAB-BE3D-DF07FFDC3EE6}" type="datetimeFigureOut">
               <a:rPr lang="ko-KR" altLang="en-US" smtClean="0"/>
-              <a:t>2019-09-16</a:t>
+              <a:t>2019-09-24</a:t>
             </a:fld>
             <a:endParaRPr lang="ko-KR" altLang="en-US"/>
           </a:p>
